--- a/Figure/Method.pptx
+++ b/Figure/Method.pptx
@@ -199,7 +199,7 @@
           <a:p>
             <a:fld id="{5FE7808A-9D71-4951-8714-D8A12013BC20}" type="datetimeFigureOut">
               <a:rPr lang="zh-TW" altLang="en-US" smtClean="0"/>
-              <a:t>2021/6/19</a:t>
+              <a:t>2021/6/20</a:t>
             </a:fld>
             <a:endParaRPr lang="zh-TW" altLang="en-US"/>
           </a:p>
@@ -3541,8 +3541,8 @@
           </a:p>
         </p:txBody>
       </p:sp>
-      <mc:AlternateContent xmlns:mc="http://schemas.openxmlformats.org/markup-compatibility/2006">
-        <mc:Choice xmlns:a14="http://schemas.microsoft.com/office/drawing/2010/main" Requires="a14">
+      <mc:AlternateContent xmlns:mc="http://schemas.openxmlformats.org/markup-compatibility/2006" xmlns:a14="http://schemas.microsoft.com/office/drawing/2010/main">
+        <mc:Choice Requires="a14">
           <p:sp>
             <p:nvSpPr>
               <p:cNvPr id="6" name="矩形 5">
@@ -3896,7 +3896,7 @@
             </p:txBody>
           </p:sp>
         </mc:Choice>
-        <mc:Fallback>
+        <mc:Fallback xmlns="">
           <p:sp>
             <p:nvSpPr>
               <p:cNvPr id="6" name="矩形 5">
@@ -5703,8 +5703,8 @@
           </a:p>
         </p:txBody>
       </p:sp>
-      <mc:AlternateContent xmlns:mc="http://schemas.openxmlformats.org/markup-compatibility/2006" xmlns:a14="http://schemas.microsoft.com/office/drawing/2010/main">
-        <mc:Choice Requires="a14">
+      <mc:AlternateContent xmlns:mc="http://schemas.openxmlformats.org/markup-compatibility/2006">
+        <mc:Choice xmlns:a14="http://schemas.microsoft.com/office/drawing/2010/main" Requires="a14">
           <p:sp>
             <p:nvSpPr>
               <p:cNvPr id="6" name="矩形 5">
@@ -5868,11 +5868,18 @@
                             </m:e>
                             <m:sub>
                               <m:r>
-                                <a:rPr kumimoji="1" lang="en-US" altLang="zh-TW" i="1">
+                                <a:rPr kumimoji="1" lang="en-US" altLang="zh-TW" b="0" i="1" smtClean="0">
                                   <a:latin typeface="Cambria Math" panose="02040503050406030204" pitchFamily="18" charset="0"/>
                                   <a:ea typeface="Cambria Math" panose="02040503050406030204" pitchFamily="18" charset="0"/>
                                 </a:rPr>
-                                <m:t>𝑝𝑒𝑎𝑘</m:t>
+                                <m:t>𝑎𝑣𝑔</m:t>
+                              </m:r>
+                              <m:r>
+                                <a:rPr kumimoji="1" lang="en-US" altLang="zh-TW" b="0" i="1" smtClean="0">
+                                  <a:latin typeface="Cambria Math" panose="02040503050406030204" pitchFamily="18" charset="0"/>
+                                  <a:ea typeface="Cambria Math" panose="02040503050406030204" pitchFamily="18" charset="0"/>
+                                </a:rPr>
+                                <m:t>.</m:t>
                               </m:r>
                             </m:sub>
                           </m:sSub>
@@ -8059,7 +8066,7 @@
             </p:txBody>
           </p:sp>
         </mc:Choice>
-        <mc:Fallback xmlns="">
+        <mc:Fallback>
           <p:sp>
             <p:nvSpPr>
               <p:cNvPr id="6" name="矩形 5">
@@ -10615,7 +10622,6 @@
           </a:bodyPr>
           <a:lstStyle/>
           <a:p>
-            <a:pPr/>
             <a:r>
               <a:rPr lang="en-US" altLang="zh-TW" dirty="0"/>
               <a:t>EQE</a:t>
